--- a/Hangman- Presentation.pptx
+++ b/Hangman- Presentation.pptx
@@ -10522,7 +10522,7 @@
         </p:nvSpPr>
         <p:spPr>
           <a:xfrm>
-            <a:off x="631375" y="878513"/>
+            <a:off x="631375" y="800408"/>
             <a:ext cx="8213100" cy="1185900"/>
           </a:xfrm>
           <a:prstGeom prst="rect">
